--- a/um6p-cs-introdb-projectID-erd.pptx
+++ b/um6p-cs-introdb-projectID-erd.pptx
@@ -5,15 +5,126 @@
     <p:sldMasterId id="2147483648" r:id="rId1"/>
   </p:sldMasterIdLst>
   <p:sldIdLst>
-    <p:sldId id="256" r:id="rId6"/>
+    <p:sldId id="256" r:id="rId2"/>
   </p:sldIdLst>
   <p:sldSz cx="20104100" cy="14446250"/>
   <p:notesSz cx="20104100" cy="14446250"/>
+  <p:defaultTextStyle>
+    <a:defPPr>
+      <a:defRPr lang="en-US"/>
+    </a:defPPr>
+    <a:lvl1pPr marL="0" algn="l" defTabSz="914400" rtl="0" eaLnBrk="1" latinLnBrk="0" hangingPunct="1">
+      <a:defRPr sz="1800" kern="1200">
+        <a:solidFill>
+          <a:schemeClr val="tx1"/>
+        </a:solidFill>
+        <a:latin typeface="+mn-lt"/>
+        <a:ea typeface="+mn-ea"/>
+        <a:cs typeface="+mn-cs"/>
+      </a:defRPr>
+    </a:lvl1pPr>
+    <a:lvl2pPr marL="457200" algn="l" defTabSz="914400" rtl="0" eaLnBrk="1" latinLnBrk="0" hangingPunct="1">
+      <a:defRPr sz="1800" kern="1200">
+        <a:solidFill>
+          <a:schemeClr val="tx1"/>
+        </a:solidFill>
+        <a:latin typeface="+mn-lt"/>
+        <a:ea typeface="+mn-ea"/>
+        <a:cs typeface="+mn-cs"/>
+      </a:defRPr>
+    </a:lvl2pPr>
+    <a:lvl3pPr marL="914400" algn="l" defTabSz="914400" rtl="0" eaLnBrk="1" latinLnBrk="0" hangingPunct="1">
+      <a:defRPr sz="1800" kern="1200">
+        <a:solidFill>
+          <a:schemeClr val="tx1"/>
+        </a:solidFill>
+        <a:latin typeface="+mn-lt"/>
+        <a:ea typeface="+mn-ea"/>
+        <a:cs typeface="+mn-cs"/>
+      </a:defRPr>
+    </a:lvl3pPr>
+    <a:lvl4pPr marL="1371600" algn="l" defTabSz="914400" rtl="0" eaLnBrk="1" latinLnBrk="0" hangingPunct="1">
+      <a:defRPr sz="1800" kern="1200">
+        <a:solidFill>
+          <a:schemeClr val="tx1"/>
+        </a:solidFill>
+        <a:latin typeface="+mn-lt"/>
+        <a:ea typeface="+mn-ea"/>
+        <a:cs typeface="+mn-cs"/>
+      </a:defRPr>
+    </a:lvl4pPr>
+    <a:lvl5pPr marL="1828800" algn="l" defTabSz="914400" rtl="0" eaLnBrk="1" latinLnBrk="0" hangingPunct="1">
+      <a:defRPr sz="1800" kern="1200">
+        <a:solidFill>
+          <a:schemeClr val="tx1"/>
+        </a:solidFill>
+        <a:latin typeface="+mn-lt"/>
+        <a:ea typeface="+mn-ea"/>
+        <a:cs typeface="+mn-cs"/>
+      </a:defRPr>
+    </a:lvl5pPr>
+    <a:lvl6pPr marL="2286000" algn="l" defTabSz="914400" rtl="0" eaLnBrk="1" latinLnBrk="0" hangingPunct="1">
+      <a:defRPr sz="1800" kern="1200">
+        <a:solidFill>
+          <a:schemeClr val="tx1"/>
+        </a:solidFill>
+        <a:latin typeface="+mn-lt"/>
+        <a:ea typeface="+mn-ea"/>
+        <a:cs typeface="+mn-cs"/>
+      </a:defRPr>
+    </a:lvl6pPr>
+    <a:lvl7pPr marL="2743200" algn="l" defTabSz="914400" rtl="0" eaLnBrk="1" latinLnBrk="0" hangingPunct="1">
+      <a:defRPr sz="1800" kern="1200">
+        <a:solidFill>
+          <a:schemeClr val="tx1"/>
+        </a:solidFill>
+        <a:latin typeface="+mn-lt"/>
+        <a:ea typeface="+mn-ea"/>
+        <a:cs typeface="+mn-cs"/>
+      </a:defRPr>
+    </a:lvl7pPr>
+    <a:lvl8pPr marL="3200400" algn="l" defTabSz="914400" rtl="0" eaLnBrk="1" latinLnBrk="0" hangingPunct="1">
+      <a:defRPr sz="1800" kern="1200">
+        <a:solidFill>
+          <a:schemeClr val="tx1"/>
+        </a:solidFill>
+        <a:latin typeface="+mn-lt"/>
+        <a:ea typeface="+mn-ea"/>
+        <a:cs typeface="+mn-cs"/>
+      </a:defRPr>
+    </a:lvl8pPr>
+    <a:lvl9pPr marL="3657600" algn="l" defTabSz="914400" rtl="0" eaLnBrk="1" latinLnBrk="0" hangingPunct="1">
+      <a:defRPr sz="1800" kern="1200">
+        <a:solidFill>
+          <a:schemeClr val="tx1"/>
+        </a:solidFill>
+        <a:latin typeface="+mn-lt"/>
+        <a:ea typeface="+mn-ea"/>
+        <a:cs typeface="+mn-cs"/>
+      </a:defRPr>
+    </a:lvl9pPr>
+  </p:defaultTextStyle>
+  <p:extLst>
+    <p:ext uri="{EFAFB233-063F-42B5-8137-9DF3F51BA10A}">
+      <p15:sldGuideLst xmlns:p15="http://schemas.microsoft.com/office/powerpoint/2012/main">
+        <p15:guide id="1" orient="horz" pos="2880">
+          <p15:clr>
+            <a:srgbClr val="A4A3A4"/>
+          </p15:clr>
+        </p15:guide>
+        <p15:guide id="2" pos="2160">
+          <p15:clr>
+            <a:srgbClr val="A4A3A4"/>
+          </p15:clr>
+        </p15:guide>
+      </p15:sldGuideLst>
+    </p:ext>
+  </p:extLst>
 </p:presentation>
 </file>
 
 <file path=ppt/slideLayouts/slideLayout1.xml><?xml version="1.0" encoding="utf-8"?>
-<p:sldLayout xmlns:a="http://schemas.openxmlformats.org/drawingml/2006/main" xmlns:r="http://schemas.openxmlformats.org/officeDocument/2006/relationships" xmlns:p="http://schemas.openxmlformats.org/presentationml/2006/main" preserve="1" type="obj">
+<p:sldLayout xmlns:a="http://schemas.openxmlformats.org/drawingml/2006/main" xmlns:r="http://schemas.openxmlformats.org/officeDocument/2006/relationships" xmlns:p="http://schemas.openxmlformats.org/presentationml/2006/main" type="obj" preserve="1">
   <p:cSld name="Title Slide">
     <p:spTree>
       <p:nvGrpSpPr>
@@ -57,7 +168,9 @@
               <a:defRPr/>
             </a:lvl1pPr>
           </a:lstStyle>
-          <a:p/>
+          <a:p>
+            <a:endParaRPr/>
+          </a:p>
         </p:txBody>
       </p:sp>
       <p:sp>
@@ -88,7 +201,9 @@
               <a:defRPr/>
             </a:lvl1pPr>
           </a:lstStyle>
-          <a:p/>
+          <a:p>
+            <a:endParaRPr/>
+          </a:p>
         </p:txBody>
       </p:sp>
       <p:sp>
@@ -98,7 +213,7 @@
             <a:spLocks noGrp="1"/>
           </p:cNvSpPr>
           <p:nvPr>
-            <p:ph type="ftr" idx="5" sz="quarter"/>
+            <p:ph type="ftr" sz="quarter" idx="5"/>
           </p:nvPr>
         </p:nvSpPr>
         <p:spPr/>
@@ -115,7 +230,9 @@
               </a:defRPr>
             </a:lvl1pPr>
           </a:lstStyle>
-          <a:p/>
+          <a:p>
+            <a:endParaRPr/>
+          </a:p>
         </p:txBody>
       </p:sp>
       <p:sp>
@@ -125,7 +242,7 @@
             <a:spLocks noGrp="1"/>
           </p:cNvSpPr>
           <p:nvPr>
-            <p:ph type="dt" idx="6" sz="half"/>
+            <p:ph type="dt" sz="half" idx="6"/>
           </p:nvPr>
         </p:nvSpPr>
         <p:spPr/>
@@ -145,7 +262,9 @@
           <a:p>
             <a:fld id="{1D8BD707-D9CF-40AE-B4C6-C98DA3205C09}" type="datetimeFigureOut">
               <a:rPr lang="en-US"/>
+              <a:t>11/6/2023</a:t>
             </a:fld>
+            <a:endParaRPr lang="en-US"/>
           </a:p>
         </p:txBody>
       </p:sp>
@@ -156,7 +275,7 @@
             <a:spLocks noGrp="1"/>
           </p:cNvSpPr>
           <p:nvPr>
-            <p:ph type="sldNum" idx="7" sz="quarter"/>
+            <p:ph type="sldNum" sz="quarter" idx="7"/>
           </p:nvPr>
         </p:nvSpPr>
         <p:spPr/>
@@ -175,8 +294,9 @@
           </a:lstStyle>
           <a:p>
             <a:fld id="{B6F15528-21DE-4FAA-801E-634DDDAF4B2B}" type="slidenum">
-              <a:t>#</a:t>
+              <a:t>‹#›</a:t>
             </a:fld>
+            <a:endParaRPr/>
           </a:p>
         </p:txBody>
       </p:sp>
@@ -189,7 +309,7 @@
 </file>
 
 <file path=ppt/slideLayouts/slideLayout2.xml><?xml version="1.0" encoding="utf-8"?>
-<p:sldLayout xmlns:a="http://schemas.openxmlformats.org/drawingml/2006/main" xmlns:r="http://schemas.openxmlformats.org/officeDocument/2006/relationships" xmlns:p="http://schemas.openxmlformats.org/presentationml/2006/main" preserve="1" type="obj">
+<p:sldLayout xmlns:a="http://schemas.openxmlformats.org/drawingml/2006/main" xmlns:r="http://schemas.openxmlformats.org/officeDocument/2006/relationships" xmlns:p="http://schemas.openxmlformats.org/presentationml/2006/main" type="obj" preserve="1">
   <p:cSld name="Title and Content">
     <p:spTree>
       <p:nvGrpSpPr>
@@ -223,7 +343,9 @@
               <a:defRPr/>
             </a:lvl1pPr>
           </a:lstStyle>
-          <a:p/>
+          <a:p>
+            <a:endParaRPr/>
+          </a:p>
         </p:txBody>
       </p:sp>
       <p:sp>
@@ -244,7 +366,9 @@
               <a:defRPr/>
             </a:lvl1pPr>
           </a:lstStyle>
-          <a:p/>
+          <a:p>
+            <a:endParaRPr/>
+          </a:p>
         </p:txBody>
       </p:sp>
       <p:sp>
@@ -254,7 +378,7 @@
             <a:spLocks noGrp="1"/>
           </p:cNvSpPr>
           <p:nvPr>
-            <p:ph type="ftr" idx="5" sz="quarter"/>
+            <p:ph type="ftr" sz="quarter" idx="5"/>
           </p:nvPr>
         </p:nvSpPr>
         <p:spPr/>
@@ -271,7 +395,9 @@
               </a:defRPr>
             </a:lvl1pPr>
           </a:lstStyle>
-          <a:p/>
+          <a:p>
+            <a:endParaRPr/>
+          </a:p>
         </p:txBody>
       </p:sp>
       <p:sp>
@@ -281,7 +407,7 @@
             <a:spLocks noGrp="1"/>
           </p:cNvSpPr>
           <p:nvPr>
-            <p:ph type="dt" idx="6" sz="half"/>
+            <p:ph type="dt" sz="half" idx="6"/>
           </p:nvPr>
         </p:nvSpPr>
         <p:spPr/>
@@ -301,7 +427,9 @@
           <a:p>
             <a:fld id="{1D8BD707-D9CF-40AE-B4C6-C98DA3205C09}" type="datetimeFigureOut">
               <a:rPr lang="en-US"/>
+              <a:t>11/6/2023</a:t>
             </a:fld>
+            <a:endParaRPr lang="en-US"/>
           </a:p>
         </p:txBody>
       </p:sp>
@@ -312,7 +440,7 @@
             <a:spLocks noGrp="1"/>
           </p:cNvSpPr>
           <p:nvPr>
-            <p:ph type="sldNum" idx="7" sz="quarter"/>
+            <p:ph type="sldNum" sz="quarter" idx="7"/>
           </p:nvPr>
         </p:nvSpPr>
         <p:spPr/>
@@ -331,8 +459,9 @@
           </a:lstStyle>
           <a:p>
             <a:fld id="{B6F15528-21DE-4FAA-801E-634DDDAF4B2B}" type="slidenum">
-              <a:t>#</a:t>
+              <a:t>‹#›</a:t>
             </a:fld>
+            <a:endParaRPr/>
           </a:p>
         </p:txBody>
       </p:sp>
@@ -345,7 +474,7 @@
 </file>
 
 <file path=ppt/slideLayouts/slideLayout3.xml><?xml version="1.0" encoding="utf-8"?>
-<p:sldLayout xmlns:a="http://schemas.openxmlformats.org/drawingml/2006/main" xmlns:r="http://schemas.openxmlformats.org/officeDocument/2006/relationships" xmlns:p="http://schemas.openxmlformats.org/presentationml/2006/main" preserve="1" type="obj">
+<p:sldLayout xmlns:a="http://schemas.openxmlformats.org/drawingml/2006/main" xmlns:r="http://schemas.openxmlformats.org/officeDocument/2006/relationships" xmlns:p="http://schemas.openxmlformats.org/presentationml/2006/main" type="obj" preserve="1">
   <p:cSld name="Two Content">
     <p:spTree>
       <p:nvGrpSpPr>
@@ -379,7 +508,9 @@
               <a:defRPr/>
             </a:lvl1pPr>
           </a:lstStyle>
-          <a:p/>
+          <a:p>
+            <a:endParaRPr/>
+          </a:p>
         </p:txBody>
       </p:sp>
       <p:sp>
@@ -389,7 +520,7 @@
             <a:spLocks noGrp="1"/>
           </p:cNvSpPr>
           <p:nvPr>
-            <p:ph idx="2" sz="half"/>
+            <p:ph sz="half" idx="2"/>
           </p:nvPr>
         </p:nvSpPr>
         <p:spPr>
@@ -410,7 +541,9 @@
               <a:defRPr/>
             </a:lvl1pPr>
           </a:lstStyle>
-          <a:p/>
+          <a:p>
+            <a:endParaRPr/>
+          </a:p>
         </p:txBody>
       </p:sp>
       <p:sp>
@@ -420,7 +553,7 @@
             <a:spLocks noGrp="1"/>
           </p:cNvSpPr>
           <p:nvPr>
-            <p:ph idx="3" sz="half"/>
+            <p:ph sz="half" idx="3"/>
           </p:nvPr>
         </p:nvSpPr>
         <p:spPr>
@@ -441,7 +574,9 @@
               <a:defRPr/>
             </a:lvl1pPr>
           </a:lstStyle>
-          <a:p/>
+          <a:p>
+            <a:endParaRPr/>
+          </a:p>
         </p:txBody>
       </p:sp>
       <p:sp>
@@ -451,7 +586,7 @@
             <a:spLocks noGrp="1"/>
           </p:cNvSpPr>
           <p:nvPr>
-            <p:ph type="ftr" idx="5" sz="quarter"/>
+            <p:ph type="ftr" sz="quarter" idx="5"/>
           </p:nvPr>
         </p:nvSpPr>
         <p:spPr/>
@@ -468,7 +603,9 @@
               </a:defRPr>
             </a:lvl1pPr>
           </a:lstStyle>
-          <a:p/>
+          <a:p>
+            <a:endParaRPr/>
+          </a:p>
         </p:txBody>
       </p:sp>
       <p:sp>
@@ -478,7 +615,7 @@
             <a:spLocks noGrp="1"/>
           </p:cNvSpPr>
           <p:nvPr>
-            <p:ph type="dt" idx="6" sz="half"/>
+            <p:ph type="dt" sz="half" idx="6"/>
           </p:nvPr>
         </p:nvSpPr>
         <p:spPr/>
@@ -498,7 +635,9 @@
           <a:p>
             <a:fld id="{1D8BD707-D9CF-40AE-B4C6-C98DA3205C09}" type="datetimeFigureOut">
               <a:rPr lang="en-US"/>
+              <a:t>11/6/2023</a:t>
             </a:fld>
+            <a:endParaRPr lang="en-US"/>
           </a:p>
         </p:txBody>
       </p:sp>
@@ -509,7 +648,7 @@
             <a:spLocks noGrp="1"/>
           </p:cNvSpPr>
           <p:nvPr>
-            <p:ph type="sldNum" idx="7" sz="quarter"/>
+            <p:ph type="sldNum" sz="quarter" idx="7"/>
           </p:nvPr>
         </p:nvSpPr>
         <p:spPr/>
@@ -528,8 +667,9 @@
           </a:lstStyle>
           <a:p>
             <a:fld id="{B6F15528-21DE-4FAA-801E-634DDDAF4B2B}" type="slidenum">
-              <a:t>#</a:t>
+              <a:t>‹#›</a:t>
             </a:fld>
+            <a:endParaRPr/>
           </a:p>
         </p:txBody>
       </p:sp>
@@ -542,7 +682,7 @@
 </file>
 
 <file path=ppt/slideLayouts/slideLayout4.xml><?xml version="1.0" encoding="utf-8"?>
-<p:sldLayout xmlns:a="http://schemas.openxmlformats.org/drawingml/2006/main" xmlns:r="http://schemas.openxmlformats.org/officeDocument/2006/relationships" xmlns:p="http://schemas.openxmlformats.org/presentationml/2006/main" preserve="1" type="obj">
+<p:sldLayout xmlns:a="http://schemas.openxmlformats.org/drawingml/2006/main" xmlns:r="http://schemas.openxmlformats.org/officeDocument/2006/relationships" xmlns:p="http://schemas.openxmlformats.org/presentationml/2006/main" type="obj" preserve="1">
   <p:cSld name="Title Only">
     <p:spTree>
       <p:nvGrpSpPr>
@@ -576,7 +716,9 @@
               <a:defRPr/>
             </a:lvl1pPr>
           </a:lstStyle>
-          <a:p/>
+          <a:p>
+            <a:endParaRPr/>
+          </a:p>
         </p:txBody>
       </p:sp>
       <p:sp>
@@ -586,7 +728,7 @@
             <a:spLocks noGrp="1"/>
           </p:cNvSpPr>
           <p:nvPr>
-            <p:ph type="ftr" idx="5" sz="quarter"/>
+            <p:ph type="ftr" sz="quarter" idx="5"/>
           </p:nvPr>
         </p:nvSpPr>
         <p:spPr/>
@@ -603,7 +745,9 @@
               </a:defRPr>
             </a:lvl1pPr>
           </a:lstStyle>
-          <a:p/>
+          <a:p>
+            <a:endParaRPr/>
+          </a:p>
         </p:txBody>
       </p:sp>
       <p:sp>
@@ -613,7 +757,7 @@
             <a:spLocks noGrp="1"/>
           </p:cNvSpPr>
           <p:nvPr>
-            <p:ph type="dt" idx="6" sz="half"/>
+            <p:ph type="dt" sz="half" idx="6"/>
           </p:nvPr>
         </p:nvSpPr>
         <p:spPr/>
@@ -633,7 +777,9 @@
           <a:p>
             <a:fld id="{1D8BD707-D9CF-40AE-B4C6-C98DA3205C09}" type="datetimeFigureOut">
               <a:rPr lang="en-US"/>
+              <a:t>11/6/2023</a:t>
             </a:fld>
+            <a:endParaRPr lang="en-US"/>
           </a:p>
         </p:txBody>
       </p:sp>
@@ -644,7 +790,7 @@
             <a:spLocks noGrp="1"/>
           </p:cNvSpPr>
           <p:nvPr>
-            <p:ph type="sldNum" idx="7" sz="quarter"/>
+            <p:ph type="sldNum" sz="quarter" idx="7"/>
           </p:nvPr>
         </p:nvSpPr>
         <p:spPr/>
@@ -663,8 +809,9 @@
           </a:lstStyle>
           <a:p>
             <a:fld id="{B6F15528-21DE-4FAA-801E-634DDDAF4B2B}" type="slidenum">
-              <a:t>#</a:t>
+              <a:t>‹#›</a:t>
             </a:fld>
+            <a:endParaRPr/>
           </a:p>
         </p:txBody>
       </p:sp>
@@ -677,7 +824,7 @@
 </file>
 
 <file path=ppt/slideLayouts/slideLayout5.xml><?xml version="1.0" encoding="utf-8"?>
-<p:sldLayout xmlns:a="http://schemas.openxmlformats.org/drawingml/2006/main" xmlns:r="http://schemas.openxmlformats.org/officeDocument/2006/relationships" xmlns:p="http://schemas.openxmlformats.org/presentationml/2006/main" preserve="1" type="obj">
+<p:sldLayout xmlns:a="http://schemas.openxmlformats.org/drawingml/2006/main" xmlns:r="http://schemas.openxmlformats.org/officeDocument/2006/relationships" xmlns:p="http://schemas.openxmlformats.org/presentationml/2006/main" type="obj" preserve="1">
   <p:cSld name="Blank">
     <p:spTree>
       <p:nvGrpSpPr>
@@ -700,7 +847,7 @@
             <a:spLocks noGrp="1"/>
           </p:cNvSpPr>
           <p:nvPr>
-            <p:ph type="ftr" idx="5" sz="quarter"/>
+            <p:ph type="ftr" sz="quarter" idx="5"/>
           </p:nvPr>
         </p:nvSpPr>
         <p:spPr/>
@@ -717,7 +864,9 @@
               </a:defRPr>
             </a:lvl1pPr>
           </a:lstStyle>
-          <a:p/>
+          <a:p>
+            <a:endParaRPr/>
+          </a:p>
         </p:txBody>
       </p:sp>
       <p:sp>
@@ -727,7 +876,7 @@
             <a:spLocks noGrp="1"/>
           </p:cNvSpPr>
           <p:nvPr>
-            <p:ph type="dt" idx="6" sz="half"/>
+            <p:ph type="dt" sz="half" idx="6"/>
           </p:nvPr>
         </p:nvSpPr>
         <p:spPr/>
@@ -747,7 +896,9 @@
           <a:p>
             <a:fld id="{1D8BD707-D9CF-40AE-B4C6-C98DA3205C09}" type="datetimeFigureOut">
               <a:rPr lang="en-US"/>
+              <a:t>11/6/2023</a:t>
             </a:fld>
+            <a:endParaRPr lang="en-US"/>
           </a:p>
         </p:txBody>
       </p:sp>
@@ -758,7 +909,7 @@
             <a:spLocks noGrp="1"/>
           </p:cNvSpPr>
           <p:nvPr>
-            <p:ph type="sldNum" idx="7" sz="quarter"/>
+            <p:ph type="sldNum" sz="quarter" idx="7"/>
           </p:nvPr>
         </p:nvSpPr>
         <p:spPr/>
@@ -777,8 +928,9 @@
           </a:lstStyle>
           <a:p>
             <a:fld id="{B6F15528-21DE-4FAA-801E-634DDDAF4B2B}" type="slidenum">
-              <a:t>#</a:t>
+              <a:t>‹#›</a:t>
             </a:fld>
+            <a:endParaRPr/>
           </a:p>
         </p:txBody>
       </p:sp>
@@ -1027,7 +1179,9 @@
         <p:txBody>
           <a:bodyPr wrap="square" lIns="0" tIns="0" rIns="0" bIns="0" rtlCol="0"/>
           <a:lstStyle/>
-          <a:p/>
+          <a:p>
+            <a:endParaRPr/>
+          </a:p>
         </p:txBody>
       </p:sp>
       <p:pic>
@@ -1115,7 +1269,9 @@
         <p:txBody>
           <a:bodyPr wrap="square" lIns="0" tIns="0" rIns="0" bIns="0" rtlCol="0"/>
           <a:lstStyle/>
-          <a:p/>
+          <a:p>
+            <a:endParaRPr/>
+          </a:p>
         </p:txBody>
       </p:sp>
       <p:pic>
@@ -1411,7 +1567,9 @@
         <p:txBody>
           <a:bodyPr wrap="square" lIns="0" tIns="0" rIns="0" bIns="0" rtlCol="0"/>
           <a:lstStyle/>
-          <a:p/>
+          <a:p>
+            <a:endParaRPr/>
+          </a:p>
         </p:txBody>
       </p:sp>
       <p:sp>
@@ -1509,7 +1667,9 @@
         <p:txBody>
           <a:bodyPr wrap="square" lIns="0" tIns="0" rIns="0" bIns="0" rtlCol="0"/>
           <a:lstStyle/>
-          <a:p/>
+          <a:p>
+            <a:endParaRPr/>
+          </a:p>
         </p:txBody>
       </p:sp>
       <p:sp>
@@ -1605,7 +1765,9 @@
         <p:txBody>
           <a:bodyPr wrap="square" lIns="0" tIns="0" rIns="0" bIns="0" rtlCol="0"/>
           <a:lstStyle/>
-          <a:p/>
+          <a:p>
+            <a:endParaRPr/>
+          </a:p>
         </p:txBody>
       </p:sp>
       <p:pic>
@@ -1741,7 +1903,9 @@
         <p:txBody>
           <a:bodyPr wrap="square" lIns="0" tIns="0" rIns="0" bIns="0" rtlCol="0"/>
           <a:lstStyle/>
-          <a:p/>
+          <a:p>
+            <a:endParaRPr/>
+          </a:p>
         </p:txBody>
       </p:sp>
       <p:pic>
@@ -1855,7 +2019,9 @@
         <p:txBody>
           <a:bodyPr wrap="square" lIns="0" tIns="0" rIns="0" bIns="0" rtlCol="0"/>
           <a:lstStyle/>
-          <a:p/>
+          <a:p>
+            <a:endParaRPr/>
+          </a:p>
         </p:txBody>
       </p:sp>
       <p:pic>
@@ -1975,7 +2141,9 @@
         <p:txBody>
           <a:bodyPr wrap="square" lIns="0" tIns="0" rIns="0" bIns="0" rtlCol="0"/>
           <a:lstStyle/>
-          <a:p/>
+          <a:p>
+            <a:endParaRPr/>
+          </a:p>
         </p:txBody>
       </p:sp>
       <p:sp>
@@ -2006,7 +2174,9 @@
               <a:defRPr/>
             </a:lvl1pPr>
           </a:lstStyle>
-          <a:p/>
+          <a:p>
+            <a:endParaRPr/>
+          </a:p>
         </p:txBody>
       </p:sp>
       <p:sp>
@@ -2037,7 +2207,9 @@
               <a:defRPr/>
             </a:lvl1pPr>
           </a:lstStyle>
-          <a:p/>
+          <a:p>
+            <a:endParaRPr/>
+          </a:p>
         </p:txBody>
       </p:sp>
       <p:sp>
@@ -2047,7 +2219,7 @@
             <a:spLocks noGrp="1"/>
           </p:cNvSpPr>
           <p:nvPr>
-            <p:ph type="ftr" idx="5" sz="quarter"/>
+            <p:ph type="ftr" sz="quarter" idx="5"/>
           </p:nvPr>
         </p:nvSpPr>
         <p:spPr>
@@ -2074,7 +2246,9 @@
               </a:defRPr>
             </a:lvl1pPr>
           </a:lstStyle>
-          <a:p/>
+          <a:p>
+            <a:endParaRPr/>
+          </a:p>
         </p:txBody>
       </p:sp>
       <p:sp>
@@ -2084,7 +2258,7 @@
             <a:spLocks noGrp="1"/>
           </p:cNvSpPr>
           <p:nvPr>
-            <p:ph type="dt" idx="6" sz="half"/>
+            <p:ph type="dt" sz="half" idx="6"/>
           </p:nvPr>
         </p:nvSpPr>
         <p:spPr>
@@ -2114,7 +2288,9 @@
           <a:p>
             <a:fld id="{1D8BD707-D9CF-40AE-B4C6-C98DA3205C09}" type="datetimeFigureOut">
               <a:rPr lang="en-US"/>
+              <a:t>11/6/2023</a:t>
             </a:fld>
+            <a:endParaRPr lang="en-US"/>
           </a:p>
         </p:txBody>
       </p:sp>
@@ -2125,7 +2301,7 @@
             <a:spLocks noGrp="1"/>
           </p:cNvSpPr>
           <p:nvPr>
-            <p:ph type="sldNum" idx="7" sz="quarter"/>
+            <p:ph type="sldNum" sz="quarter" idx="7"/>
           </p:nvPr>
         </p:nvSpPr>
         <p:spPr>
@@ -2154,14 +2330,15 @@
           </a:lstStyle>
           <a:p>
             <a:fld id="{B6F15528-21DE-4FAA-801E-634DDDAF4B2B}" type="slidenum">
-              <a:t>#</a:t>
+              <a:t>‹#›</a:t>
             </a:fld>
+            <a:endParaRPr/>
           </a:p>
         </p:txBody>
       </p:sp>
     </p:spTree>
   </p:cSld>
-  <p:clrMap folHlink="folHlink" hlink="hlink" accent1="accent1" accent2="accent2" accent3="accent3" accent4="accent4" accent5="accent5" accent6="accent6" tx2="dk2" bg2="lt2" tx1="dk1" bg1="lt1"/>
+  <p:clrMap bg1="lt1" tx1="dk1" bg2="lt2" tx2="dk2" accent1="accent1" accent2="accent2" accent3="accent3" accent4="accent4" accent5="accent5" accent6="accent6" hlink="hlink" folHlink="folHlink"/>
   <p:sldLayoutIdLst>
     <p:sldLayoutId id="2147483661" r:id="rId1"/>
     <p:sldLayoutId id="2147483662" r:id="rId2"/>
@@ -2346,7 +2523,7 @@
           </a:prstGeom>
         </p:spPr>
         <p:txBody>
-          <a:bodyPr wrap="square" lIns="0" tIns="11430" rIns="0" bIns="0" rtlCol="0" vert="horz">
+          <a:bodyPr vert="horz" wrap="square" lIns="0" tIns="11430" rIns="0" bIns="0" rtlCol="0">
             <a:spAutoFit/>
           </a:bodyPr>
           <a:lstStyle/>
@@ -2360,35 +2537,35 @@
               </a:spcBef>
             </a:pPr>
             <a:r>
-              <a:rPr dirty="0" sz="1950" spc="-25">
+              <a:rPr sz="1950" spc="-25" dirty="0">
                 <a:latin typeface="Trebuchet MS"/>
                 <a:cs typeface="Trebuchet MS"/>
               </a:rPr>
               <a:t>assi</a:t>
             </a:r>
             <a:r>
-              <a:rPr dirty="0" sz="1950" spc="-45">
+              <a:rPr sz="1950" spc="-45" dirty="0">
                 <a:latin typeface="Trebuchet MS"/>
                 <a:cs typeface="Trebuchet MS"/>
               </a:rPr>
               <a:t>g</a:t>
             </a:r>
             <a:r>
-              <a:rPr dirty="0" sz="1950" spc="-25">
+              <a:rPr sz="1950" spc="-25" dirty="0">
                 <a:latin typeface="Trebuchet MS"/>
                 <a:cs typeface="Trebuchet MS"/>
               </a:rPr>
               <a:t>ned</a:t>
             </a:r>
             <a:r>
-              <a:rPr dirty="0" sz="1950" spc="-310">
+              <a:rPr sz="1950" spc="-310" dirty="0">
                 <a:latin typeface="Trebuchet MS"/>
                 <a:cs typeface="Trebuchet MS"/>
               </a:rPr>
               <a:t>T</a:t>
             </a:r>
             <a:r>
-              <a:rPr dirty="0" sz="1950" spc="15">
+              <a:rPr sz="1950" spc="15" dirty="0">
                 <a:latin typeface="Trebuchet MS"/>
                 <a:cs typeface="Trebuchet MS"/>
               </a:rPr>
@@ -2433,7 +2610,7 @@
               <a:cxnLst/>
               <a:rect l="l" t="t" r="r" b="b"/>
               <a:pathLst>
-                <a:path w="1380490" h="0">
+                <a:path w="1380490">
                   <a:moveTo>
                     <a:pt x="0" y="0"/>
                   </a:moveTo>
@@ -2452,7 +2629,9 @@
           <p:txBody>
             <a:bodyPr wrap="square" lIns="0" tIns="0" rIns="0" bIns="0" rtlCol="0"/>
             <a:lstStyle/>
-            <a:p/>
+            <a:p>
+              <a:endParaRPr/>
+            </a:p>
           </p:txBody>
         </p:sp>
         <p:pic>
@@ -2522,7 +2701,9 @@
           <p:txBody>
             <a:bodyPr wrap="square" lIns="0" tIns="0" rIns="0" bIns="0" rtlCol="0"/>
             <a:lstStyle/>
-            <a:p/>
+            <a:p>
+              <a:endParaRPr/>
+            </a:p>
           </p:txBody>
         </p:sp>
       </p:grpSp>
@@ -2558,7 +2739,7 @@
               <a:cxnLst/>
               <a:rect l="l" t="t" r="r" b="b"/>
               <a:pathLst>
-                <a:path w="0" h="405765">
+                <a:path h="405765">
                   <a:moveTo>
                     <a:pt x="0" y="0"/>
                   </a:moveTo>
@@ -2577,7 +2758,9 @@
           <p:txBody>
             <a:bodyPr wrap="square" lIns="0" tIns="0" rIns="0" bIns="0" rtlCol="0"/>
             <a:lstStyle/>
-            <a:p/>
+            <a:p>
+              <a:endParaRPr/>
+            </a:p>
           </p:txBody>
         </p:sp>
         <p:pic>
@@ -2647,7 +2830,9 @@
           <p:txBody>
             <a:bodyPr wrap="square" lIns="0" tIns="0" rIns="0" bIns="0" rtlCol="0"/>
             <a:lstStyle/>
-            <a:p/>
+            <a:p>
+              <a:endParaRPr/>
+            </a:p>
           </p:txBody>
         </p:sp>
       </p:grpSp>
@@ -2669,7 +2854,7 @@
             <a:cxnLst/>
             <a:rect l="l" t="t" r="r" b="b"/>
             <a:pathLst>
-              <a:path w="525779" h="0">
+              <a:path w="525779">
                 <a:moveTo>
                   <a:pt x="525340" y="0"/>
                 </a:moveTo>
@@ -2688,7 +2873,9 @@
         <p:txBody>
           <a:bodyPr wrap="square" lIns="0" tIns="0" rIns="0" bIns="0" rtlCol="0"/>
           <a:lstStyle/>
-          <a:p/>
+          <a:p>
+            <a:endParaRPr/>
+          </a:p>
         </p:txBody>
       </p:sp>
       <p:grpSp>
@@ -2903,7 +3090,9 @@
           <p:txBody>
             <a:bodyPr wrap="square" lIns="0" tIns="0" rIns="0" bIns="0" rtlCol="0"/>
             <a:lstStyle/>
-            <a:p/>
+            <a:p>
+              <a:endParaRPr/>
+            </a:p>
           </p:txBody>
         </p:sp>
         <p:sp>
@@ -2949,7 +3138,9 @@
           <p:txBody>
             <a:bodyPr wrap="square" lIns="0" tIns="0" rIns="0" bIns="0" rtlCol="0"/>
             <a:lstStyle/>
-            <a:p/>
+            <a:p>
+              <a:endParaRPr/>
+            </a:p>
           </p:txBody>
         </p:sp>
         <p:sp>
@@ -2970,7 +3161,7 @@
               <a:cxnLst/>
               <a:rect l="l" t="t" r="r" b="b"/>
               <a:pathLst>
-                <a:path w="71120" h="0">
+                <a:path w="71120">
                   <a:moveTo>
                     <a:pt x="0" y="0"/>
                   </a:moveTo>
@@ -2990,7 +3181,9 @@
           <p:txBody>
             <a:bodyPr wrap="square" lIns="0" tIns="0" rIns="0" bIns="0" rtlCol="0"/>
             <a:lstStyle/>
-            <a:p/>
+            <a:p>
+              <a:endParaRPr/>
+            </a:p>
           </p:txBody>
         </p:sp>
         <p:sp>
@@ -3036,7 +3229,9 @@
           <p:txBody>
             <a:bodyPr wrap="square" lIns="0" tIns="0" rIns="0" bIns="0" rtlCol="0"/>
             <a:lstStyle/>
-            <a:p/>
+            <a:p>
+              <a:endParaRPr/>
+            </a:p>
           </p:txBody>
         </p:sp>
         <p:sp>
@@ -3057,7 +3252,7 @@
               <a:cxnLst/>
               <a:rect l="l" t="t" r="r" b="b"/>
               <a:pathLst>
-                <a:path w="71120" h="0">
+                <a:path w="71120">
                   <a:moveTo>
                     <a:pt x="70736" y="0"/>
                   </a:moveTo>
@@ -3077,7 +3272,9 @@
           <p:txBody>
             <a:bodyPr wrap="square" lIns="0" tIns="0" rIns="0" bIns="0" rtlCol="0"/>
             <a:lstStyle/>
-            <a:p/>
+            <a:p>
+              <a:endParaRPr/>
+            </a:p>
           </p:txBody>
         </p:sp>
       </p:grpSp>
@@ -3113,7 +3310,7 @@
               <a:cxnLst/>
               <a:rect l="l" t="t" r="r" b="b"/>
               <a:pathLst>
-                <a:path w="0" h="374650">
+                <a:path h="374650">
                   <a:moveTo>
                     <a:pt x="0" y="374327"/>
                   </a:moveTo>
@@ -3132,7 +3329,9 @@
           <p:txBody>
             <a:bodyPr wrap="square" lIns="0" tIns="0" rIns="0" bIns="0" rtlCol="0"/>
             <a:lstStyle/>
-            <a:p/>
+            <a:p>
+              <a:endParaRPr/>
+            </a:p>
           </p:txBody>
         </p:sp>
         <p:sp>
@@ -3374,7 +3573,9 @@
           <p:txBody>
             <a:bodyPr wrap="square" lIns="0" tIns="0" rIns="0" bIns="0" rtlCol="0"/>
             <a:lstStyle/>
-            <a:p/>
+            <a:p>
+              <a:endParaRPr/>
+            </a:p>
           </p:txBody>
         </p:sp>
       </p:grpSp>
@@ -3487,7 +3688,9 @@
           <p:txBody>
             <a:bodyPr wrap="square" lIns="0" tIns="0" rIns="0" bIns="0" rtlCol="0"/>
             <a:lstStyle/>
-            <a:p/>
+            <a:p>
+              <a:endParaRPr/>
+            </a:p>
           </p:txBody>
         </p:sp>
         <p:pic>
@@ -3667,7 +3870,9 @@
           <p:txBody>
             <a:bodyPr wrap="square" lIns="0" tIns="0" rIns="0" bIns="0" rtlCol="0"/>
             <a:lstStyle/>
-            <a:p/>
+            <a:p>
+              <a:endParaRPr/>
+            </a:p>
           </p:txBody>
         </p:sp>
         <p:sp>
@@ -3736,7 +3941,9 @@
           <p:txBody>
             <a:bodyPr wrap="square" lIns="0" tIns="0" rIns="0" bIns="0" rtlCol="0"/>
             <a:lstStyle/>
-            <a:p/>
+            <a:p>
+              <a:endParaRPr/>
+            </a:p>
           </p:txBody>
         </p:sp>
         <p:sp>
@@ -3807,7 +4014,9 @@
           <p:txBody>
             <a:bodyPr wrap="square" lIns="0" tIns="0" rIns="0" bIns="0" rtlCol="0"/>
             <a:lstStyle/>
-            <a:p/>
+            <a:p>
+              <a:endParaRPr/>
+            </a:p>
           </p:txBody>
         </p:sp>
         <p:sp>
@@ -3899,7 +4108,9 @@
           <p:txBody>
             <a:bodyPr wrap="square" lIns="0" tIns="0" rIns="0" bIns="0" rtlCol="0"/>
             <a:lstStyle/>
-            <a:p/>
+            <a:p>
+              <a:endParaRPr/>
+            </a:p>
           </p:txBody>
         </p:sp>
         <p:pic>
@@ -4021,7 +4232,9 @@
           <p:txBody>
             <a:bodyPr wrap="square" lIns="0" tIns="0" rIns="0" bIns="0" rtlCol="0"/>
             <a:lstStyle/>
-            <a:p/>
+            <a:p>
+              <a:endParaRPr/>
+            </a:p>
           </p:txBody>
         </p:sp>
         <p:sp>
@@ -4076,7 +4289,9 @@
           <p:txBody>
             <a:bodyPr wrap="square" lIns="0" tIns="0" rIns="0" bIns="0" rtlCol="0"/>
             <a:lstStyle/>
-            <a:p/>
+            <a:p>
+              <a:endParaRPr/>
+            </a:p>
           </p:txBody>
         </p:sp>
         <p:sp>
@@ -4145,7 +4360,9 @@
           <p:txBody>
             <a:bodyPr wrap="square" lIns="0" tIns="0" rIns="0" bIns="0" rtlCol="0"/>
             <a:lstStyle/>
-            <a:p/>
+            <a:p>
+              <a:endParaRPr/>
+            </a:p>
           </p:txBody>
         </p:sp>
         <p:sp>
@@ -4216,7 +4433,9 @@
           <p:txBody>
             <a:bodyPr wrap="square" lIns="0" tIns="0" rIns="0" bIns="0" rtlCol="0"/>
             <a:lstStyle/>
-            <a:p/>
+            <a:p>
+              <a:endParaRPr/>
+            </a:p>
           </p:txBody>
         </p:sp>
         <p:sp>
@@ -4237,7 +4456,7 @@
               <a:cxnLst/>
               <a:rect l="l" t="t" r="r" b="b"/>
               <a:pathLst>
-                <a:path w="0" h="1250950">
+                <a:path h="1250950">
                   <a:moveTo>
                     <a:pt x="0" y="1250699"/>
                   </a:moveTo>
@@ -4256,7 +4475,9 @@
           <p:txBody>
             <a:bodyPr wrap="square" lIns="0" tIns="0" rIns="0" bIns="0" rtlCol="0"/>
             <a:lstStyle/>
-            <a:p/>
+            <a:p>
+              <a:endParaRPr/>
+            </a:p>
           </p:txBody>
         </p:sp>
         <p:pic>
@@ -4520,7 +4741,9 @@
           <p:txBody>
             <a:bodyPr wrap="square" lIns="0" tIns="0" rIns="0" bIns="0" rtlCol="0"/>
             <a:lstStyle/>
-            <a:p/>
+            <a:p>
+              <a:endParaRPr/>
+            </a:p>
           </p:txBody>
         </p:sp>
         <p:pic>
@@ -4846,7 +5069,9 @@
           <p:txBody>
             <a:bodyPr wrap="square" lIns="0" tIns="0" rIns="0" bIns="0" rtlCol="0"/>
             <a:lstStyle/>
-            <a:p/>
+            <a:p>
+              <a:endParaRPr/>
+            </a:p>
           </p:txBody>
         </p:sp>
         <p:sp>
@@ -5061,7 +5286,9 @@
           <p:txBody>
             <a:bodyPr wrap="square" lIns="0" tIns="0" rIns="0" bIns="0" rtlCol="0"/>
             <a:lstStyle/>
-            <a:p/>
+            <a:p>
+              <a:endParaRPr/>
+            </a:p>
           </p:txBody>
         </p:sp>
         <p:pic>
@@ -5149,7 +5376,9 @@
           <p:txBody>
             <a:bodyPr wrap="square" lIns="0" tIns="0" rIns="0" bIns="0" rtlCol="0"/>
             <a:lstStyle/>
-            <a:p/>
+            <a:p>
+              <a:endParaRPr/>
+            </a:p>
           </p:txBody>
         </p:sp>
         <p:pic>
@@ -5285,7 +5514,9 @@
           <p:txBody>
             <a:bodyPr wrap="square" lIns="0" tIns="0" rIns="0" bIns="0" rtlCol="0"/>
             <a:lstStyle/>
-            <a:p/>
+            <a:p>
+              <a:endParaRPr/>
+            </a:p>
           </p:txBody>
         </p:sp>
         <p:pic>
@@ -5377,7 +5608,9 @@
           <p:txBody>
             <a:bodyPr wrap="square" lIns="0" tIns="0" rIns="0" bIns="0" rtlCol="0"/>
             <a:lstStyle/>
-            <a:p/>
+            <a:p>
+              <a:endParaRPr/>
+            </a:p>
           </p:txBody>
         </p:sp>
         <p:sp>
@@ -5443,7 +5676,9 @@
           <p:txBody>
             <a:bodyPr wrap="square" lIns="0" tIns="0" rIns="0" bIns="0" rtlCol="0"/>
             <a:lstStyle/>
-            <a:p/>
+            <a:p>
+              <a:endParaRPr/>
+            </a:p>
           </p:txBody>
         </p:sp>
         <p:sp>
@@ -5511,7 +5746,9 @@
           <p:txBody>
             <a:bodyPr wrap="square" lIns="0" tIns="0" rIns="0" bIns="0" rtlCol="0"/>
             <a:lstStyle/>
-            <a:p/>
+            <a:p>
+              <a:endParaRPr/>
+            </a:p>
           </p:txBody>
         </p:sp>
         <p:sp>
@@ -5762,7 +5999,9 @@
           <p:txBody>
             <a:bodyPr wrap="square" lIns="0" tIns="0" rIns="0" bIns="0" rtlCol="0"/>
             <a:lstStyle/>
-            <a:p/>
+            <a:p>
+              <a:endParaRPr/>
+            </a:p>
           </p:txBody>
         </p:sp>
         <p:pic>
@@ -5898,7 +6137,9 @@
           <p:txBody>
             <a:bodyPr wrap="square" lIns="0" tIns="0" rIns="0" bIns="0" rtlCol="0"/>
             <a:lstStyle/>
-            <a:p/>
+            <a:p>
+              <a:endParaRPr/>
+            </a:p>
           </p:txBody>
         </p:sp>
         <p:pic>
@@ -5990,7 +6231,9 @@
           <p:txBody>
             <a:bodyPr wrap="square" lIns="0" tIns="0" rIns="0" bIns="0" rtlCol="0"/>
             <a:lstStyle/>
-            <a:p/>
+            <a:p>
+              <a:endParaRPr/>
+            </a:p>
           </p:txBody>
         </p:sp>
         <p:sp>
@@ -6059,7 +6302,9 @@
           <p:txBody>
             <a:bodyPr wrap="square" lIns="0" tIns="0" rIns="0" bIns="0" rtlCol="0"/>
             <a:lstStyle/>
-            <a:p/>
+            <a:p>
+              <a:endParaRPr/>
+            </a:p>
           </p:txBody>
         </p:sp>
         <p:sp>
@@ -6130,7 +6375,9 @@
           <p:txBody>
             <a:bodyPr wrap="square" lIns="0" tIns="0" rIns="0" bIns="0" rtlCol="0"/>
             <a:lstStyle/>
-            <a:p/>
+            <a:p>
+              <a:endParaRPr/>
+            </a:p>
           </p:txBody>
         </p:sp>
         <p:sp>
@@ -6228,7 +6475,9 @@
           <p:txBody>
             <a:bodyPr wrap="square" lIns="0" tIns="0" rIns="0" bIns="0" rtlCol="0"/>
             <a:lstStyle/>
-            <a:p/>
+            <a:p>
+              <a:endParaRPr/>
+            </a:p>
           </p:txBody>
         </p:sp>
         <p:sp>
@@ -6294,7 +6543,9 @@
           <p:txBody>
             <a:bodyPr wrap="square" lIns="0" tIns="0" rIns="0" bIns="0" rtlCol="0"/>
             <a:lstStyle/>
-            <a:p/>
+            <a:p>
+              <a:endParaRPr/>
+            </a:p>
           </p:txBody>
         </p:sp>
         <p:pic>
@@ -6386,7 +6637,9 @@
           <p:txBody>
             <a:bodyPr wrap="square" lIns="0" tIns="0" rIns="0" bIns="0" rtlCol="0"/>
             <a:lstStyle/>
-            <a:p/>
+            <a:p>
+              <a:endParaRPr/>
+            </a:p>
           </p:txBody>
         </p:sp>
         <p:pic>
@@ -6473,7 +6726,7 @@
               <a:cxnLst/>
               <a:rect l="l" t="t" r="r" b="b"/>
               <a:pathLst>
-                <a:path w="0" h="822959">
+                <a:path h="822959">
                   <a:moveTo>
                     <a:pt x="0" y="822447"/>
                   </a:moveTo>
@@ -6492,7 +6745,9 @@
           <p:txBody>
             <a:bodyPr wrap="square" lIns="0" tIns="0" rIns="0" bIns="0" rtlCol="0"/>
             <a:lstStyle/>
-            <a:p/>
+            <a:p>
+              <a:endParaRPr/>
+            </a:p>
           </p:txBody>
         </p:sp>
         <p:sp>
@@ -6576,7 +6831,9 @@
           <p:txBody>
             <a:bodyPr wrap="square" lIns="0" tIns="0" rIns="0" bIns="0" rtlCol="0"/>
             <a:lstStyle/>
-            <a:p/>
+            <a:p>
+              <a:endParaRPr/>
+            </a:p>
           </p:txBody>
         </p:sp>
         <p:sp>
@@ -6647,7 +6904,9 @@
           <p:txBody>
             <a:bodyPr wrap="square" lIns="0" tIns="0" rIns="0" bIns="0" rtlCol="0"/>
             <a:lstStyle/>
-            <a:p/>
+            <a:p>
+              <a:endParaRPr/>
+            </a:p>
           </p:txBody>
         </p:sp>
         <p:sp>
@@ -6717,7 +6976,9 @@
           <p:txBody>
             <a:bodyPr wrap="square" lIns="0" tIns="0" rIns="0" bIns="0" rtlCol="0"/>
             <a:lstStyle/>
-            <a:p/>
+            <a:p>
+              <a:endParaRPr/>
+            </a:p>
           </p:txBody>
         </p:sp>
         <p:sp>
@@ -6833,7 +7094,9 @@
           <p:txBody>
             <a:bodyPr wrap="square" lIns="0" tIns="0" rIns="0" bIns="0" rtlCol="0"/>
             <a:lstStyle/>
-            <a:p/>
+            <a:p>
+              <a:endParaRPr/>
+            </a:p>
           </p:txBody>
         </p:sp>
         <p:pic>
@@ -6976,7 +7239,9 @@
           <p:txBody>
             <a:bodyPr wrap="square" lIns="0" tIns="0" rIns="0" bIns="0" rtlCol="0"/>
             <a:lstStyle/>
-            <a:p/>
+            <a:p>
+              <a:endParaRPr/>
+            </a:p>
           </p:txBody>
         </p:sp>
         <p:sp>
@@ -7092,7 +7357,9 @@
           <p:txBody>
             <a:bodyPr wrap="square" lIns="0" tIns="0" rIns="0" bIns="0" rtlCol="0"/>
             <a:lstStyle/>
-            <a:p/>
+            <a:p>
+              <a:endParaRPr/>
+            </a:p>
           </p:txBody>
         </p:sp>
         <p:sp>
@@ -7162,7 +7429,9 @@
           <p:txBody>
             <a:bodyPr wrap="square" lIns="0" tIns="0" rIns="0" bIns="0" rtlCol="0"/>
             <a:lstStyle/>
-            <a:p/>
+            <a:p>
+              <a:endParaRPr/>
+            </a:p>
           </p:txBody>
         </p:sp>
         <p:sp>
@@ -7232,7 +7501,9 @@
           <p:txBody>
             <a:bodyPr wrap="square" lIns="0" tIns="0" rIns="0" bIns="0" rtlCol="0"/>
             <a:lstStyle/>
-            <a:p/>
+            <a:p>
+              <a:endParaRPr/>
+            </a:p>
           </p:txBody>
         </p:sp>
         <p:sp>
@@ -7301,7 +7572,9 @@
           <p:txBody>
             <a:bodyPr wrap="square" lIns="0" tIns="0" rIns="0" bIns="0" rtlCol="0"/>
             <a:lstStyle/>
-            <a:p/>
+            <a:p>
+              <a:endParaRPr/>
+            </a:p>
           </p:txBody>
         </p:sp>
         <p:sp>
@@ -7372,7 +7645,9 @@
           <p:txBody>
             <a:bodyPr wrap="square" lIns="0" tIns="0" rIns="0" bIns="0" rtlCol="0"/>
             <a:lstStyle/>
-            <a:p/>
+            <a:p>
+              <a:endParaRPr/>
+            </a:p>
           </p:txBody>
         </p:sp>
         <p:sp>
@@ -7612,7 +7887,9 @@
           <p:txBody>
             <a:bodyPr wrap="square" lIns="0" tIns="0" rIns="0" bIns="0" rtlCol="0"/>
             <a:lstStyle/>
-            <a:p/>
+            <a:p>
+              <a:endParaRPr/>
+            </a:p>
           </p:txBody>
         </p:sp>
         <p:sp>
@@ -7854,7 +8131,9 @@
           <p:txBody>
             <a:bodyPr wrap="square" lIns="0" tIns="0" rIns="0" bIns="0" rtlCol="0"/>
             <a:lstStyle/>
-            <a:p/>
+            <a:p>
+              <a:endParaRPr/>
+            </a:p>
           </p:txBody>
         </p:sp>
         <p:pic>
@@ -7924,7 +8203,9 @@
           <p:txBody>
             <a:bodyPr wrap="square" lIns="0" tIns="0" rIns="0" bIns="0" rtlCol="0"/>
             <a:lstStyle/>
-            <a:p/>
+            <a:p>
+              <a:endParaRPr/>
+            </a:p>
           </p:txBody>
         </p:sp>
         <p:pic>
@@ -8188,7 +8469,9 @@
           <p:txBody>
             <a:bodyPr wrap="square" lIns="0" tIns="0" rIns="0" bIns="0" rtlCol="0"/>
             <a:lstStyle/>
-            <a:p/>
+            <a:p>
+              <a:endParaRPr/>
+            </a:p>
           </p:txBody>
         </p:sp>
         <p:pic>
@@ -8324,7 +8607,9 @@
           <p:txBody>
             <a:bodyPr wrap="square" lIns="0" tIns="0" rIns="0" bIns="0" rtlCol="0"/>
             <a:lstStyle/>
-            <a:p/>
+            <a:p>
+              <a:endParaRPr/>
+            </a:p>
           </p:txBody>
         </p:sp>
         <p:pic>
@@ -8416,7 +8701,9 @@
           <p:txBody>
             <a:bodyPr wrap="square" lIns="0" tIns="0" rIns="0" bIns="0" rtlCol="0"/>
             <a:lstStyle/>
-            <a:p/>
+            <a:p>
+              <a:endParaRPr/>
+            </a:p>
           </p:txBody>
         </p:sp>
         <p:sp>
@@ -8437,7 +8724,7 @@
               <a:cxnLst/>
               <a:rect l="l" t="t" r="r" b="b"/>
               <a:pathLst>
-                <a:path w="1512570" h="0">
+                <a:path w="1512570">
                   <a:moveTo>
                     <a:pt x="1512555" y="0"/>
                   </a:moveTo>
@@ -8456,7 +8743,9 @@
           <p:txBody>
             <a:bodyPr wrap="square" lIns="0" tIns="0" rIns="0" bIns="0" rtlCol="0"/>
             <a:lstStyle/>
-            <a:p/>
+            <a:p>
+              <a:endParaRPr/>
+            </a:p>
           </p:txBody>
         </p:sp>
         <p:sp>
@@ -8504,7 +8793,9 @@
           <p:txBody>
             <a:bodyPr wrap="square" lIns="0" tIns="0" rIns="0" bIns="0" rtlCol="0"/>
             <a:lstStyle/>
-            <a:p/>
+            <a:p>
+              <a:endParaRPr/>
+            </a:p>
           </p:txBody>
         </p:sp>
         <p:sp>
@@ -8554,7 +8845,9 @@
           <p:txBody>
             <a:bodyPr wrap="square" lIns="0" tIns="0" rIns="0" bIns="0" rtlCol="0"/>
             <a:lstStyle/>
-            <a:p/>
+            <a:p>
+              <a:endParaRPr/>
+            </a:p>
           </p:txBody>
         </p:sp>
         <p:pic>
@@ -8597,7 +8890,7 @@
               <a:cxnLst/>
               <a:rect l="l" t="t" r="r" b="b"/>
               <a:pathLst>
-                <a:path w="0" h="675004">
+                <a:path h="675004">
                   <a:moveTo>
                     <a:pt x="0" y="0"/>
                   </a:moveTo>
@@ -8616,7 +8909,9 @@
           <p:txBody>
             <a:bodyPr wrap="square" lIns="0" tIns="0" rIns="0" bIns="0" rtlCol="0"/>
             <a:lstStyle/>
-            <a:p/>
+            <a:p>
+              <a:endParaRPr/>
+            </a:p>
           </p:txBody>
         </p:sp>
         <p:pic>
@@ -8681,7 +8976,7 @@
               <a:cxnLst/>
               <a:rect l="l" t="t" r="r" b="b"/>
               <a:pathLst>
-                <a:path w="0" h="1733550">
+                <a:path h="1733550">
                   <a:moveTo>
                     <a:pt x="0" y="0"/>
                   </a:moveTo>
@@ -8700,7 +8995,9 @@
           <p:txBody>
             <a:bodyPr wrap="square" lIns="0" tIns="0" rIns="0" bIns="0" rtlCol="0"/>
             <a:lstStyle/>
-            <a:p/>
+            <a:p>
+              <a:endParaRPr/>
+            </a:p>
           </p:txBody>
         </p:sp>
         <p:sp>
@@ -8745,7 +9042,9 @@
           <p:txBody>
             <a:bodyPr wrap="square" lIns="0" tIns="0" rIns="0" bIns="0" rtlCol="0"/>
             <a:lstStyle/>
-            <a:p/>
+            <a:p>
+              <a:endParaRPr/>
+            </a:p>
           </p:txBody>
         </p:sp>
         <p:sp>
@@ -8792,7 +9091,9 @@
           <p:txBody>
             <a:bodyPr wrap="square" lIns="0" tIns="0" rIns="0" bIns="0" rtlCol="0"/>
             <a:lstStyle/>
-            <a:p/>
+            <a:p>
+              <a:endParaRPr/>
+            </a:p>
           </p:txBody>
         </p:sp>
         <p:sp>
@@ -8890,7 +9191,9 @@
           <p:txBody>
             <a:bodyPr wrap="square" lIns="0" tIns="0" rIns="0" bIns="0" rtlCol="0"/>
             <a:lstStyle/>
-            <a:p/>
+            <a:p>
+              <a:endParaRPr/>
+            </a:p>
           </p:txBody>
         </p:sp>
         <p:pic>
@@ -9004,7 +9307,9 @@
           <p:txBody>
             <a:bodyPr wrap="square" lIns="0" tIns="0" rIns="0" bIns="0" rtlCol="0"/>
             <a:lstStyle/>
-            <a:p/>
+            <a:p>
+              <a:endParaRPr/>
+            </a:p>
           </p:txBody>
         </p:sp>
         <p:sp>
@@ -9244,7 +9549,9 @@
           <p:txBody>
             <a:bodyPr wrap="square" lIns="0" tIns="0" rIns="0" bIns="0" rtlCol="0"/>
             <a:lstStyle/>
-            <a:p/>
+            <a:p>
+              <a:endParaRPr/>
+            </a:p>
           </p:txBody>
         </p:sp>
         <p:sp>
@@ -9486,7 +9793,9 @@
           <p:txBody>
             <a:bodyPr wrap="square" lIns="0" tIns="0" rIns="0" bIns="0" rtlCol="0"/>
             <a:lstStyle/>
-            <a:p/>
+            <a:p>
+              <a:endParaRPr/>
+            </a:p>
           </p:txBody>
         </p:sp>
         <p:sp>
@@ -9630,7 +9939,9 @@
           <p:txBody>
             <a:bodyPr wrap="square" lIns="0" tIns="0" rIns="0" bIns="0" rtlCol="0"/>
             <a:lstStyle/>
-            <a:p/>
+            <a:p>
+              <a:endParaRPr/>
+            </a:p>
           </p:txBody>
         </p:sp>
         <p:pic>
@@ -9722,7 +10033,9 @@
           <p:txBody>
             <a:bodyPr wrap="square" lIns="0" tIns="0" rIns="0" bIns="0" rtlCol="0"/>
             <a:lstStyle/>
-            <a:p/>
+            <a:p>
+              <a:endParaRPr/>
+            </a:p>
           </p:txBody>
         </p:sp>
         <p:pic>
@@ -9792,7 +10105,9 @@
           <p:txBody>
             <a:bodyPr wrap="square" lIns="0" tIns="0" rIns="0" bIns="0" rtlCol="0"/>
             <a:lstStyle/>
-            <a:p/>
+            <a:p>
+              <a:endParaRPr/>
+            </a:p>
           </p:txBody>
         </p:sp>
         <p:sp>
@@ -9813,7 +10128,7 @@
               <a:cxnLst/>
               <a:rect l="l" t="t" r="r" b="b"/>
               <a:pathLst>
-                <a:path w="0" h="3642995">
+                <a:path h="3642995">
                   <a:moveTo>
                     <a:pt x="0" y="3642992"/>
                   </a:moveTo>
@@ -9832,7 +10147,9 @@
           <p:txBody>
             <a:bodyPr wrap="square" lIns="0" tIns="0" rIns="0" bIns="0" rtlCol="0"/>
             <a:lstStyle/>
-            <a:p/>
+            <a:p>
+              <a:endParaRPr/>
+            </a:p>
           </p:txBody>
         </p:sp>
         <p:pic>
@@ -9875,7 +10192,7 @@
               <a:cxnLst/>
               <a:rect l="l" t="t" r="r" b="b"/>
               <a:pathLst>
-                <a:path w="2239644" h="0">
+                <a:path w="2239644">
                   <a:moveTo>
                     <a:pt x="2239566" y="0"/>
                   </a:moveTo>
@@ -9894,7 +10211,9 @@
           <p:txBody>
             <a:bodyPr wrap="square" lIns="0" tIns="0" rIns="0" bIns="0" rtlCol="0"/>
             <a:lstStyle/>
-            <a:p/>
+            <a:p>
+              <a:endParaRPr/>
+            </a:p>
           </p:txBody>
         </p:sp>
         <p:sp>
@@ -9915,7 +10234,7 @@
               <a:cxnLst/>
               <a:rect l="l" t="t" r="r" b="b"/>
               <a:pathLst>
-                <a:path w="1726565" h="0">
+                <a:path w="1726565">
                   <a:moveTo>
                     <a:pt x="1726367" y="0"/>
                   </a:moveTo>
@@ -9934,7 +10253,9 @@
           <p:txBody>
             <a:bodyPr wrap="square" lIns="0" tIns="0" rIns="0" bIns="0" rtlCol="0"/>
             <a:lstStyle/>
-            <a:p/>
+            <a:p>
+              <a:endParaRPr/>
+            </a:p>
           </p:txBody>
         </p:sp>
         <p:sp>
@@ -10004,7 +10325,9 @@
           <p:txBody>
             <a:bodyPr wrap="square" lIns="0" tIns="0" rIns="0" bIns="0" rtlCol="0"/>
             <a:lstStyle/>
-            <a:p/>
+            <a:p>
+              <a:endParaRPr/>
+            </a:p>
           </p:txBody>
         </p:sp>
         <p:sp>
@@ -10059,7 +10382,9 @@
           <p:txBody>
             <a:bodyPr wrap="square" lIns="0" tIns="0" rIns="0" bIns="0" rtlCol="0"/>
             <a:lstStyle/>
-            <a:p/>
+            <a:p>
+              <a:endParaRPr/>
+            </a:p>
           </p:txBody>
         </p:sp>
         <p:sp>
@@ -10080,7 +10405,7 @@
               <a:cxnLst/>
               <a:rect l="l" t="t" r="r" b="b"/>
               <a:pathLst>
-                <a:path w="0" h="583565">
+                <a:path h="583565">
                   <a:moveTo>
                     <a:pt x="0" y="0"/>
                   </a:moveTo>
@@ -10099,7 +10424,9 @@
           <p:txBody>
             <a:bodyPr wrap="square" lIns="0" tIns="0" rIns="0" bIns="0" rtlCol="0"/>
             <a:lstStyle/>
-            <a:p/>
+            <a:p>
+              <a:endParaRPr/>
+            </a:p>
           </p:txBody>
         </p:sp>
         <p:sp>
@@ -10206,16 +10533,28 @@
                 </a:path>
               </a:pathLst>
             </a:custGeom>
-            <a:ln w="12325">
-              <a:solidFill>
-                <a:srgbClr val="394149"/>
-              </a:solidFill>
-            </a:ln>
-          </p:spPr>
+            <a:ln w="57150"/>
+          </p:spPr>
+          <p:style>
+            <a:lnRef idx="2">
+              <a:schemeClr val="dk1"/>
+            </a:lnRef>
+            <a:fillRef idx="1">
+              <a:schemeClr val="lt1"/>
+            </a:fillRef>
+            <a:effectRef idx="0">
+              <a:schemeClr val="dk1"/>
+            </a:effectRef>
+            <a:fontRef idx="minor">
+              <a:schemeClr val="dk1"/>
+            </a:fontRef>
+          </p:style>
           <p:txBody>
             <a:bodyPr wrap="square" lIns="0" tIns="0" rIns="0" bIns="0" rtlCol="0"/>
             <a:lstStyle/>
-            <a:p/>
+            <a:p>
+              <a:endParaRPr/>
+            </a:p>
           </p:txBody>
         </p:sp>
         <p:sp>
@@ -10285,7 +10624,9 @@
           <p:txBody>
             <a:bodyPr wrap="square" lIns="0" tIns="0" rIns="0" bIns="0" rtlCol="0"/>
             <a:lstStyle/>
-            <a:p/>
+            <a:p>
+              <a:endParaRPr/>
+            </a:p>
           </p:txBody>
         </p:sp>
         <p:sp>
@@ -10512,7 +10853,9 @@
           <p:txBody>
             <a:bodyPr wrap="square" lIns="0" tIns="0" rIns="0" bIns="0" rtlCol="0"/>
             <a:lstStyle/>
-            <a:p/>
+            <a:p>
+              <a:endParaRPr/>
+            </a:p>
           </p:txBody>
         </p:sp>
         <p:pic>
@@ -10600,7 +10943,9 @@
           <p:txBody>
             <a:bodyPr wrap="square" lIns="0" tIns="0" rIns="0" bIns="0" rtlCol="0"/>
             <a:lstStyle/>
-            <a:p/>
+            <a:p>
+              <a:endParaRPr/>
+            </a:p>
           </p:txBody>
         </p:sp>
         <p:pic>
@@ -10687,7 +11032,7 @@
               <a:cxnLst/>
               <a:rect l="l" t="t" r="r" b="b"/>
               <a:pathLst>
-                <a:path w="0" h="437515">
+                <a:path h="437515">
                   <a:moveTo>
                     <a:pt x="0" y="0"/>
                   </a:moveTo>
@@ -10706,7 +11051,9 @@
           <p:txBody>
             <a:bodyPr wrap="square" lIns="0" tIns="0" rIns="0" bIns="0" rtlCol="0"/>
             <a:lstStyle/>
-            <a:p/>
+            <a:p>
+              <a:endParaRPr/>
+            </a:p>
           </p:txBody>
         </p:sp>
         <p:sp>
@@ -10727,7 +11074,7 @@
               <a:cxnLst/>
               <a:rect l="l" t="t" r="r" b="b"/>
               <a:pathLst>
-                <a:path w="0" h="552450">
+                <a:path h="552450">
                   <a:moveTo>
                     <a:pt x="0" y="0"/>
                   </a:moveTo>
@@ -10746,7 +11093,9 @@
           <p:txBody>
             <a:bodyPr wrap="square" lIns="0" tIns="0" rIns="0" bIns="0" rtlCol="0"/>
             <a:lstStyle/>
-            <a:p/>
+            <a:p>
+              <a:endParaRPr/>
+            </a:p>
           </p:txBody>
         </p:sp>
         <p:sp>
@@ -10844,7 +11193,9 @@
           <p:txBody>
             <a:bodyPr wrap="square" lIns="0" tIns="0" rIns="0" bIns="0" rtlCol="0"/>
             <a:lstStyle/>
-            <a:p/>
+            <a:p>
+              <a:endParaRPr/>
+            </a:p>
           </p:txBody>
         </p:sp>
         <p:sp>
@@ -10865,7 +11216,7 @@
               <a:cxnLst/>
               <a:rect l="l" t="t" r="r" b="b"/>
               <a:pathLst>
-                <a:path w="0" h="431800">
+                <a:path h="431800">
                   <a:moveTo>
                     <a:pt x="0" y="0"/>
                   </a:moveTo>
@@ -10884,7 +11235,9 @@
           <p:txBody>
             <a:bodyPr wrap="square" lIns="0" tIns="0" rIns="0" bIns="0" rtlCol="0"/>
             <a:lstStyle/>
-            <a:p/>
+            <a:p>
+              <a:endParaRPr/>
+            </a:p>
           </p:txBody>
         </p:sp>
         <p:pic>
@@ -10990,7 +11343,9 @@
           <p:txBody>
             <a:bodyPr wrap="square" lIns="0" tIns="0" rIns="0" bIns="0" rtlCol="0"/>
             <a:lstStyle/>
-            <a:p/>
+            <a:p>
+              <a:endParaRPr/>
+            </a:p>
           </p:txBody>
         </p:sp>
         <p:sp>
@@ -11106,7 +11461,9 @@
           <p:txBody>
             <a:bodyPr wrap="square" lIns="0" tIns="0" rIns="0" bIns="0" rtlCol="0"/>
             <a:lstStyle/>
-            <a:p/>
+            <a:p>
+              <a:endParaRPr/>
+            </a:p>
           </p:txBody>
         </p:sp>
         <p:pic>
@@ -11170,7 +11527,7 @@
           </a:prstGeom>
         </p:spPr>
         <p:txBody>
-          <a:bodyPr wrap="square" lIns="0" tIns="12700" rIns="0" bIns="0" rtlCol="0" vert="horz">
+          <a:bodyPr vert="horz" wrap="square" lIns="0" tIns="12700" rIns="0" bIns="0" rtlCol="0">
             <a:spAutoFit/>
           </a:bodyPr>
           <a:lstStyle/>
@@ -11184,21 +11541,21 @@
               </a:spcBef>
             </a:pPr>
             <a:r>
-              <a:rPr dirty="0" sz="1900" spc="-90">
+              <a:rPr sz="1900" spc="-90" dirty="0">
                 <a:latin typeface="Trebuchet MS"/>
                 <a:cs typeface="Trebuchet MS"/>
               </a:rPr>
               <a:t>pri</a:t>
             </a:r>
             <a:r>
-              <a:rPr dirty="0" sz="1900" spc="-150">
+              <a:rPr sz="1900" spc="-150" dirty="0">
                 <a:latin typeface="Trebuchet MS"/>
                 <a:cs typeface="Trebuchet MS"/>
               </a:rPr>
               <a:t>c</a:t>
             </a:r>
             <a:r>
-              <a:rPr dirty="0" sz="1900" spc="-140">
+              <a:rPr sz="1900" spc="-140" dirty="0">
                 <a:latin typeface="Trebuchet MS"/>
                 <a:cs typeface="Trebuchet MS"/>
               </a:rPr>
@@ -11227,7 +11584,7 @@
           </a:prstGeom>
         </p:spPr>
         <p:txBody>
-          <a:bodyPr wrap="square" lIns="0" tIns="11430" rIns="0" bIns="0" rtlCol="0" vert="horz">
+          <a:bodyPr vert="horz" wrap="square" lIns="0" tIns="11430" rIns="0" bIns="0" rtlCol="0">
             <a:spAutoFit/>
           </a:bodyPr>
           <a:lstStyle/>
@@ -11241,7 +11598,7 @@
               </a:spcBef>
             </a:pPr>
             <a:r>
-              <a:rPr dirty="0" sz="1950" spc="-50">
+              <a:rPr sz="1950" spc="-50" dirty="0">
                 <a:latin typeface="Trebuchet MS"/>
                 <a:cs typeface="Trebuchet MS"/>
               </a:rPr>
@@ -11297,7 +11654,9 @@
         <p:txBody>
           <a:bodyPr wrap="square" lIns="0" tIns="0" rIns="0" bIns="0" rtlCol="0"/>
           <a:lstStyle/>
-          <a:p/>
+          <a:p>
+            <a:endParaRPr/>
+          </a:p>
         </p:txBody>
       </p:sp>
       <p:sp>
@@ -11343,76 +11702,8 @@
         <p:txBody>
           <a:bodyPr wrap="square" lIns="0" tIns="0" rIns="0" bIns="0" rtlCol="0"/>
           <a:lstStyle/>
-          <a:p/>
-        </p:txBody>
-      </p:sp>
-      <p:sp>
-        <p:nvSpPr>
-          <p:cNvPr id="147" name="object 147"/>
-          <p:cNvSpPr txBox="1"/>
-          <p:nvPr/>
-        </p:nvSpPr>
-        <p:spPr>
-          <a:xfrm>
-            <a:off x="303846" y="12330528"/>
-            <a:ext cx="958215" cy="321310"/>
-          </a:xfrm>
-          <a:prstGeom prst="rect">
-            <a:avLst/>
-          </a:prstGeom>
-        </p:spPr>
-        <p:txBody>
-          <a:bodyPr wrap="square" lIns="0" tIns="11430" rIns="0" bIns="0" rtlCol="0" vert="horz">
-            <a:spAutoFit/>
-          </a:bodyPr>
-          <a:lstStyle/>
           <a:p>
-            <a:pPr marL="12700">
-              <a:lnSpc>
-                <a:spcPct val="100000"/>
-              </a:lnSpc>
-              <a:spcBef>
-                <a:spcPts val="90"/>
-              </a:spcBef>
-              <a:tabLst>
-                <a:tab pos="944880" algn="l"/>
-              </a:tabLst>
-            </a:pPr>
-            <a:r>
-              <a:rPr dirty="0" sz="1950" spc="-290">
-                <a:latin typeface="Trebuchet MS"/>
-                <a:cs typeface="Trebuchet MS"/>
-              </a:rPr>
-              <a:t>c</a:t>
-            </a:r>
-            <a:r>
-              <a:rPr dirty="0" u="heavy" sz="1950" spc="-5">
-                <a:uFill>
-                  <a:solidFill>
-                    <a:srgbClr val="394149"/>
-                  </a:solidFill>
-                </a:uFill>
-                <a:latin typeface="Times New Roman"/>
-                <a:cs typeface="Times New Roman"/>
-              </a:rPr>
-              <a:t> </a:t>
-            </a:r>
-            <a:r>
-              <a:rPr dirty="0" u="heavy" sz="1950">
-                <a:uFill>
-                  <a:solidFill>
-                    <a:srgbClr val="394149"/>
-                  </a:solidFill>
-                </a:uFill>
-                <a:latin typeface="Times New Roman"/>
-                <a:cs typeface="Times New Roman"/>
-              </a:rPr>
-              <a:t>	</a:t>
-            </a:r>
-            <a:endParaRPr sz="1950">
-              <a:latin typeface="Times New Roman"/>
-              <a:cs typeface="Times New Roman"/>
-            </a:endParaRPr>
+            <a:endParaRPr/>
           </a:p>
         </p:txBody>
       </p:sp>
@@ -11432,7 +11723,7 @@
           </a:prstGeom>
         </p:spPr>
         <p:txBody>
-          <a:bodyPr wrap="square" lIns="0" tIns="11430" rIns="0" bIns="0" rtlCol="0" vert="horz">
+          <a:bodyPr vert="horz" wrap="square" lIns="0" tIns="11430" rIns="0" bIns="0" rtlCol="0">
             <a:spAutoFit/>
           </a:bodyPr>
           <a:lstStyle/>
@@ -11446,7 +11737,7 @@
               </a:spcBef>
             </a:pPr>
             <a:r>
-              <a:rPr dirty="0" sz="1950" spc="-100">
+              <a:rPr sz="1950" spc="-100" dirty="0">
                 <a:latin typeface="Trebuchet MS"/>
                 <a:cs typeface="Trebuchet MS"/>
               </a:rPr>
@@ -11734,7 +12025,9 @@
         <p:txBody>
           <a:bodyPr wrap="square" lIns="0" tIns="0" rIns="0" bIns="0" rtlCol="0"/>
           <a:lstStyle/>
-          <a:p/>
+          <a:p>
+            <a:endParaRPr/>
+          </a:p>
         </p:txBody>
       </p:sp>
       <p:sp>
@@ -11745,7 +12038,7 @@
         </p:nvSpPr>
         <p:spPr>
           <a:xfrm>
-            <a:off x="3114369" y="12302673"/>
+            <a:off x="3107480" y="12391093"/>
             <a:ext cx="578485" cy="321310"/>
           </a:xfrm>
           <a:prstGeom prst="rect">
@@ -11753,7 +12046,7 @@
           </a:prstGeom>
         </p:spPr>
         <p:txBody>
-          <a:bodyPr wrap="square" lIns="0" tIns="11430" rIns="0" bIns="0" rtlCol="0" vert="horz">
+          <a:bodyPr vert="horz" wrap="square" lIns="0" tIns="11430" rIns="0" bIns="0" rtlCol="0">
             <a:spAutoFit/>
           </a:bodyPr>
           <a:lstStyle/>
@@ -11770,7 +12063,7 @@
               </a:tabLst>
             </a:pPr>
             <a:r>
-              <a:rPr dirty="0" u="sng" sz="1950" spc="-5">
+              <a:rPr sz="1950" u="sng" spc="-5" dirty="0">
                 <a:uFill>
                   <a:solidFill>
                     <a:srgbClr val="394149"/>
@@ -11779,21 +12072,9 @@
                 <a:latin typeface="Times New Roman"/>
                 <a:cs typeface="Times New Roman"/>
               </a:rPr>
-              <a:t> </a:t>
+              <a:t> 	</a:t>
             </a:r>
-            <a:r>
-              <a:rPr dirty="0" u="sng" sz="1950" spc="-5">
-                <a:uFill>
-                  <a:solidFill>
-                    <a:srgbClr val="394149"/>
-                  </a:solidFill>
-                </a:uFill>
-                <a:latin typeface="Times New Roman"/>
-                <a:cs typeface="Times New Roman"/>
-              </a:rPr>
-              <a:t>	</a:t>
-            </a:r>
-            <a:endParaRPr sz="1950">
+            <a:endParaRPr sz="1950" dirty="0">
               <a:latin typeface="Times New Roman"/>
               <a:cs typeface="Times New Roman"/>
             </a:endParaRPr>
@@ -11816,7 +12097,7 @@
           </a:prstGeom>
         </p:spPr>
         <p:txBody>
-          <a:bodyPr wrap="square" lIns="0" tIns="11430" rIns="0" bIns="0" rtlCol="0" vert="horz">
+          <a:bodyPr vert="horz" wrap="square" lIns="0" tIns="11430" rIns="0" bIns="0" rtlCol="0">
             <a:spAutoFit/>
           </a:bodyPr>
           <a:lstStyle/>
@@ -11830,28 +12111,28 @@
               </a:spcBef>
             </a:pPr>
             <a:r>
-              <a:rPr dirty="0" sz="1950" spc="-75">
+              <a:rPr sz="1950" spc="-75" dirty="0">
                 <a:latin typeface="Trebuchet MS"/>
                 <a:cs typeface="Trebuchet MS"/>
               </a:rPr>
               <a:t>benefits</a:t>
             </a:r>
             <a:r>
-              <a:rPr dirty="0" sz="1950" spc="-140">
+              <a:rPr sz="1950" spc="-140" dirty="0">
                 <a:latin typeface="Trebuchet MS"/>
                 <a:cs typeface="Trebuchet MS"/>
               </a:rPr>
               <a:t>F</a:t>
             </a:r>
             <a:r>
-              <a:rPr dirty="0" sz="1950" spc="-145">
+              <a:rPr sz="1950" spc="-145" dirty="0">
                 <a:latin typeface="Trebuchet MS"/>
                 <a:cs typeface="Trebuchet MS"/>
               </a:rPr>
               <a:t>r</a:t>
             </a:r>
             <a:r>
-              <a:rPr dirty="0" sz="1950" spc="5">
+              <a:rPr sz="1950" spc="5" dirty="0">
                 <a:latin typeface="Trebuchet MS"/>
                 <a:cs typeface="Trebuchet MS"/>
               </a:rPr>
@@ -11880,7 +12161,7 @@
           </a:prstGeom>
         </p:spPr>
         <p:txBody>
-          <a:bodyPr wrap="square" lIns="0" tIns="11430" rIns="0" bIns="0" rtlCol="0" vert="horz">
+          <a:bodyPr vert="horz" wrap="square" lIns="0" tIns="11430" rIns="0" bIns="0" rtlCol="0">
             <a:spAutoFit/>
           </a:bodyPr>
           <a:lstStyle/>
@@ -11894,7 +12175,7 @@
               </a:spcBef>
             </a:pPr>
             <a:r>
-              <a:rPr dirty="0" sz="1950" spc="-65">
+              <a:rPr sz="1950" spc="-65" dirty="0">
                 <a:latin typeface="Trebuchet MS"/>
                 <a:cs typeface="Trebuchet MS"/>
               </a:rPr>
@@ -11923,7 +12204,7 @@
           </a:prstGeom>
         </p:spPr>
         <p:txBody>
-          <a:bodyPr wrap="square" lIns="0" tIns="11430" rIns="0" bIns="0" rtlCol="0" vert="horz">
+          <a:bodyPr vert="horz" wrap="square" lIns="0" tIns="11430" rIns="0" bIns="0" rtlCol="0">
             <a:spAutoFit/>
           </a:bodyPr>
           <a:lstStyle/>
@@ -11937,7 +12218,7 @@
               </a:spcBef>
             </a:pPr>
             <a:r>
-              <a:rPr dirty="0" sz="1950" spc="-20">
+              <a:rPr sz="1950" spc="-20" dirty="0">
                 <a:latin typeface="Trebuchet MS"/>
                 <a:cs typeface="Trebuchet MS"/>
               </a:rPr>
@@ -12017,7 +12298,9 @@
         <p:txBody>
           <a:bodyPr wrap="square" lIns="0" tIns="0" rIns="0" bIns="0" rtlCol="0"/>
           <a:lstStyle/>
-          <a:p/>
+          <a:p>
+            <a:endParaRPr/>
+          </a:p>
         </p:txBody>
       </p:sp>
       <p:sp>
@@ -12028,7 +12311,7 @@
         </p:nvSpPr>
         <p:spPr>
           <a:xfrm>
-            <a:off x="3254239" y="6066526"/>
+            <a:off x="3252092" y="6106343"/>
             <a:ext cx="293370" cy="321310"/>
           </a:xfrm>
           <a:prstGeom prst="rect">
@@ -12036,7 +12319,7 @@
           </a:prstGeom>
         </p:spPr>
         <p:txBody>
-          <a:bodyPr wrap="square" lIns="0" tIns="11430" rIns="0" bIns="0" rtlCol="0" vert="horz">
+          <a:bodyPr vert="horz" wrap="square" lIns="0" tIns="11430" rIns="0" bIns="0" rtlCol="0">
             <a:spAutoFit/>
           </a:bodyPr>
           <a:lstStyle/>
@@ -12053,7 +12336,7 @@
               </a:tabLst>
             </a:pPr>
             <a:r>
-              <a:rPr dirty="0" u="sng" sz="1950" spc="-5">
+              <a:rPr sz="1950" u="sng" spc="-5" dirty="0">
                 <a:uFill>
                   <a:solidFill>
                     <a:srgbClr val="394149"/>
@@ -12062,27 +12345,48 @@
                 <a:latin typeface="Times New Roman"/>
                 <a:cs typeface="Times New Roman"/>
               </a:rPr>
-              <a:t> </a:t>
+              <a:t> 	</a:t>
             </a:r>
-            <a:r>
-              <a:rPr dirty="0" u="sng" sz="1950" spc="-5">
-                <a:uFill>
-                  <a:solidFill>
-                    <a:srgbClr val="394149"/>
-                  </a:solidFill>
-                </a:uFill>
-                <a:latin typeface="Times New Roman"/>
-                <a:cs typeface="Times New Roman"/>
-              </a:rPr>
-              <a:t>	</a:t>
-            </a:r>
-            <a:endParaRPr sz="1950">
+            <a:endParaRPr sz="1950" dirty="0">
               <a:latin typeface="Times New Roman"/>
               <a:cs typeface="Times New Roman"/>
             </a:endParaRPr>
           </a:p>
         </p:txBody>
       </p:sp>
+      <p:cxnSp>
+        <p:nvCxnSpPr>
+          <p:cNvPr id="157" name="Straight Connector 156"/>
+          <p:cNvCxnSpPr/>
+          <p:nvPr/>
+        </p:nvCxnSpPr>
+        <p:spPr>
+          <a:xfrm flipH="1" flipV="1">
+            <a:off x="357526" y="12619153"/>
+            <a:ext cx="905974" cy="6986"/>
+          </a:xfrm>
+          <a:prstGeom prst="line">
+            <a:avLst/>
+          </a:prstGeom>
+          <a:ln w="19050">
+            <a:prstDash val="dash"/>
+          </a:ln>
+        </p:spPr>
+        <p:style>
+          <a:lnRef idx="1">
+            <a:schemeClr val="dk1"/>
+          </a:lnRef>
+          <a:fillRef idx="0">
+            <a:schemeClr val="dk1"/>
+          </a:fillRef>
+          <a:effectRef idx="0">
+            <a:schemeClr val="dk1"/>
+          </a:effectRef>
+          <a:fontRef idx="minor">
+            <a:schemeClr val="tx1"/>
+          </a:fontRef>
+        </p:style>
+      </p:cxnSp>
     </p:spTree>
   </p:cSld>
   <p:clrMapOvr>
